--- a/files/graphon.pptx
+++ b/files/graphon.pptx
@@ -9,6 +9,7 @@
     <p:sldId id="257" r:id="rId3"/>
     <p:sldId id="258" r:id="rId4"/>
     <p:sldId id="259" r:id="rId5"/>
+    <p:sldId id="260" r:id="rId6"/>
   </p:sldIdLst>
   <p:sldSz cx="9144000" cy="9144000"/>
   <p:notesSz cx="6858000" cy="9144000"/>
@@ -257,7 +258,7 @@
           <a:p>
             <a:fld id="{E75FA85F-7FDA-49C5-9083-F2421F97A2B3}" type="datetimeFigureOut">
               <a:rPr lang="en-US" smtClean="0"/>
-              <a:t>1/12/2020</a:t>
+              <a:t>1/19/2020</a:t>
             </a:fld>
             <a:endParaRPr lang="en-US"/>
           </a:p>
@@ -427,7 +428,7 @@
           <a:p>
             <a:fld id="{E75FA85F-7FDA-49C5-9083-F2421F97A2B3}" type="datetimeFigureOut">
               <a:rPr lang="en-US" smtClean="0"/>
-              <a:t>1/12/2020</a:t>
+              <a:t>1/19/2020</a:t>
             </a:fld>
             <a:endParaRPr lang="en-US"/>
           </a:p>
@@ -607,7 +608,7 @@
           <a:p>
             <a:fld id="{E75FA85F-7FDA-49C5-9083-F2421F97A2B3}" type="datetimeFigureOut">
               <a:rPr lang="en-US" smtClean="0"/>
-              <a:t>1/12/2020</a:t>
+              <a:t>1/19/2020</a:t>
             </a:fld>
             <a:endParaRPr lang="en-US"/>
           </a:p>
@@ -777,7 +778,7 @@
           <a:p>
             <a:fld id="{E75FA85F-7FDA-49C5-9083-F2421F97A2B3}" type="datetimeFigureOut">
               <a:rPr lang="en-US" smtClean="0"/>
-              <a:t>1/12/2020</a:t>
+              <a:t>1/19/2020</a:t>
             </a:fld>
             <a:endParaRPr lang="en-US"/>
           </a:p>
@@ -1021,7 +1022,7 @@
           <a:p>
             <a:fld id="{E75FA85F-7FDA-49C5-9083-F2421F97A2B3}" type="datetimeFigureOut">
               <a:rPr lang="en-US" smtClean="0"/>
-              <a:t>1/12/2020</a:t>
+              <a:t>1/19/2020</a:t>
             </a:fld>
             <a:endParaRPr lang="en-US"/>
           </a:p>
@@ -1253,7 +1254,7 @@
           <a:p>
             <a:fld id="{E75FA85F-7FDA-49C5-9083-F2421F97A2B3}" type="datetimeFigureOut">
               <a:rPr lang="en-US" smtClean="0"/>
-              <a:t>1/12/2020</a:t>
+              <a:t>1/19/2020</a:t>
             </a:fld>
             <a:endParaRPr lang="en-US"/>
           </a:p>
@@ -1620,7 +1621,7 @@
           <a:p>
             <a:fld id="{E75FA85F-7FDA-49C5-9083-F2421F97A2B3}" type="datetimeFigureOut">
               <a:rPr lang="en-US" smtClean="0"/>
-              <a:t>1/12/2020</a:t>
+              <a:t>1/19/2020</a:t>
             </a:fld>
             <a:endParaRPr lang="en-US"/>
           </a:p>
@@ -1738,7 +1739,7 @@
           <a:p>
             <a:fld id="{E75FA85F-7FDA-49C5-9083-F2421F97A2B3}" type="datetimeFigureOut">
               <a:rPr lang="en-US" smtClean="0"/>
-              <a:t>1/12/2020</a:t>
+              <a:t>1/19/2020</a:t>
             </a:fld>
             <a:endParaRPr lang="en-US"/>
           </a:p>
@@ -1833,7 +1834,7 @@
           <a:p>
             <a:fld id="{E75FA85F-7FDA-49C5-9083-F2421F97A2B3}" type="datetimeFigureOut">
               <a:rPr lang="en-US" smtClean="0"/>
-              <a:t>1/12/2020</a:t>
+              <a:t>1/19/2020</a:t>
             </a:fld>
             <a:endParaRPr lang="en-US"/>
           </a:p>
@@ -2110,7 +2111,7 @@
           <a:p>
             <a:fld id="{E75FA85F-7FDA-49C5-9083-F2421F97A2B3}" type="datetimeFigureOut">
               <a:rPr lang="en-US" smtClean="0"/>
-              <a:t>1/12/2020</a:t>
+              <a:t>1/19/2020</a:t>
             </a:fld>
             <a:endParaRPr lang="en-US"/>
           </a:p>
@@ -2367,7 +2368,7 @@
           <a:p>
             <a:fld id="{E75FA85F-7FDA-49C5-9083-F2421F97A2B3}" type="datetimeFigureOut">
               <a:rPr lang="en-US" smtClean="0"/>
-              <a:t>1/12/2020</a:t>
+              <a:t>1/19/2020</a:t>
             </a:fld>
             <a:endParaRPr lang="en-US"/>
           </a:p>
@@ -2580,7 +2581,7 @@
           <a:p>
             <a:fld id="{E75FA85F-7FDA-49C5-9083-F2421F97A2B3}" type="datetimeFigureOut">
               <a:rPr lang="en-US" smtClean="0"/>
-              <a:t>1/12/2020</a:t>
+              <a:t>1/19/2020</a:t>
             </a:fld>
             <a:endParaRPr lang="en-US"/>
           </a:p>
@@ -3379,6 +3380,119 @@
 </p:sld>
 </file>
 
+<file path=ppt/slides/slide5.xml><?xml version="1.0" encoding="utf-8"?>
+<p:sld xmlns:a="http://schemas.openxmlformats.org/drawingml/2006/main" xmlns:r="http://schemas.openxmlformats.org/officeDocument/2006/relationships" xmlns:p="http://schemas.openxmlformats.org/presentationml/2006/main">
+  <p:cSld>
+    <p:spTree>
+      <p:nvGrpSpPr>
+        <p:cNvPr id="1" name=""/>
+        <p:cNvGrpSpPr/>
+        <p:nvPr/>
+      </p:nvGrpSpPr>
+      <p:grpSpPr>
+        <a:xfrm>
+          <a:off x="0" y="0"/>
+          <a:ext cx="0" cy="0"/>
+          <a:chOff x="0" y="0"/>
+          <a:chExt cx="0" cy="0"/>
+        </a:xfrm>
+      </p:grpSpPr>
+      <p:pic>
+        <p:nvPicPr>
+          <p:cNvPr id="4" name="Picture 3">
+            <a:extLst>
+              <a:ext uri="{FF2B5EF4-FFF2-40B4-BE49-F238E27FC236}">
+                <a16:creationId xmlns:a16="http://schemas.microsoft.com/office/drawing/2014/main" id="{EC944BE9-B8DB-4644-AC4E-6D944D5994E1}"/>
+              </a:ext>
+            </a:extLst>
+          </p:cNvPr>
+          <p:cNvPicPr>
+            <a:picLocks noChangeAspect="1"/>
+          </p:cNvPicPr>
+          <p:nvPr/>
+        </p:nvPicPr>
+        <p:blipFill>
+          <a:blip r:embed="rId2"/>
+          <a:stretch>
+            <a:fillRect/>
+          </a:stretch>
+        </p:blipFill>
+        <p:spPr>
+          <a:xfrm>
+            <a:off x="903767" y="1823691"/>
+            <a:ext cx="7336466" cy="5496618"/>
+          </a:xfrm>
+          <a:prstGeom prst="rect">
+            <a:avLst/>
+          </a:prstGeom>
+        </p:spPr>
+      </p:pic>
+      <p:sp>
+        <p:nvSpPr>
+          <p:cNvPr id="5" name="Title 1">
+            <a:extLst>
+              <a:ext uri="{FF2B5EF4-FFF2-40B4-BE49-F238E27FC236}">
+                <a16:creationId xmlns:a16="http://schemas.microsoft.com/office/drawing/2014/main" id="{516675C1-80A8-442D-B05B-2DF57DB4B79F}"/>
+              </a:ext>
+            </a:extLst>
+          </p:cNvPr>
+          <p:cNvSpPr>
+            <a:spLocks noGrp="1"/>
+          </p:cNvSpPr>
+          <p:nvPr>
+            <p:ph type="title"/>
+          </p:nvPr>
+        </p:nvSpPr>
+        <p:spPr>
+          <a:xfrm>
+            <a:off x="628650" y="7352242"/>
+            <a:ext cx="7886700" cy="1767417"/>
+          </a:xfrm>
+        </p:spPr>
+        <p:txBody>
+          <a:bodyPr>
+            <a:noAutofit/>
+          </a:bodyPr>
+          <a:lstStyle/>
+          <a:p>
+            <a:pPr algn="ctr"/>
+            <a:r>
+              <a:rPr lang="ru-RU" sz="9600" dirty="0" err="1">
+                <a:latin typeface="Noto Serif" panose="02020502060505020204" pitchFamily="18"/>
+                <a:ea typeface="Noto Serif" panose="02020502060505020204" pitchFamily="18"/>
+                <a:cs typeface="Noto Serif" panose="02020502060505020204" pitchFamily="18"/>
+              </a:rPr>
+              <a:t>МΣовет</a:t>
+            </a:r>
+            <a:r>
+              <a:rPr lang="ru-RU" sz="9600" dirty="0">
+                <a:latin typeface="Noto Serif" panose="02020502060505020204" pitchFamily="18"/>
+                <a:ea typeface="Noto Serif" panose="02020502060505020204" pitchFamily="18"/>
+                <a:cs typeface="Noto Serif" panose="02020502060505020204" pitchFamily="18"/>
+              </a:rPr>
+              <a:t> 2</a:t>
+            </a:r>
+            <a:endParaRPr lang="en-US" sz="9600" dirty="0">
+              <a:latin typeface="Noto Serif" panose="02020502060505020204" pitchFamily="18"/>
+              <a:ea typeface="Noto Serif" panose="02020502060505020204" pitchFamily="18"/>
+              <a:cs typeface="Noto Serif" panose="02020502060505020204" pitchFamily="18"/>
+            </a:endParaRPr>
+          </a:p>
+        </p:txBody>
+      </p:sp>
+    </p:spTree>
+    <p:extLst>
+      <p:ext uri="{BB962C8B-B14F-4D97-AF65-F5344CB8AC3E}">
+        <p14:creationId xmlns:p14="http://schemas.microsoft.com/office/powerpoint/2010/main" val="3699016823"/>
+      </p:ext>
+    </p:extLst>
+  </p:cSld>
+  <p:clrMapOvr>
+    <a:masterClrMapping/>
+  </p:clrMapOvr>
+</p:sld>
+</file>
+
 <file path=ppt/theme/theme1.xml><?xml version="1.0" encoding="utf-8"?>
 <a:theme xmlns:a="http://schemas.openxmlformats.org/drawingml/2006/main" name="Office Theme">
   <a:themeElements>
